--- a/lab/ppt/2-rdd-df.pptx
+++ b/lab/ppt/2-rdd-df.pptx
@@ -276,7 +276,7 @@
           <a:p>
             <a:fld id="{262B6A82-EFB9-C349-A563-53BBF5D73243}" type="datetimeFigureOut">
               <a:rPr kumimoji="1" lang="zh-CN" altLang="en-US" smtClean="0"/>
-              <a:t>2020/10/30</a:t>
+              <a:t>2022/8/26</a:t>
             </a:fld>
             <a:endParaRPr kumimoji="1" lang="zh-CN" altLang="en-US"/>
           </a:p>
@@ -449,7 +449,7 @@
           <a:p>
             <a:fld id="{262B6A82-EFB9-C349-A563-53BBF5D73243}" type="datetimeFigureOut">
               <a:rPr kumimoji="1" lang="zh-CN" altLang="en-US" smtClean="0"/>
-              <a:t>2020/10/30</a:t>
+              <a:t>2022/8/26</a:t>
             </a:fld>
             <a:endParaRPr kumimoji="1" lang="zh-CN" altLang="en-US"/>
           </a:p>
@@ -632,7 +632,7 @@
           <a:p>
             <a:fld id="{262B6A82-EFB9-C349-A563-53BBF5D73243}" type="datetimeFigureOut">
               <a:rPr kumimoji="1" lang="zh-CN" altLang="en-US" smtClean="0"/>
-              <a:t>2020/10/30</a:t>
+              <a:t>2022/8/26</a:t>
             </a:fld>
             <a:endParaRPr kumimoji="1" lang="zh-CN" altLang="en-US"/>
           </a:p>
@@ -805,7 +805,7 @@
           <a:p>
             <a:fld id="{262B6A82-EFB9-C349-A563-53BBF5D73243}" type="datetimeFigureOut">
               <a:rPr kumimoji="1" lang="zh-CN" altLang="en-US" smtClean="0"/>
-              <a:t>2020/10/30</a:t>
+              <a:t>2022/8/26</a:t>
             </a:fld>
             <a:endParaRPr kumimoji="1" lang="zh-CN" altLang="en-US"/>
           </a:p>
@@ -1083,7 +1083,7 @@
           <a:p>
             <a:fld id="{262B6A82-EFB9-C349-A563-53BBF5D73243}" type="datetimeFigureOut">
               <a:rPr kumimoji="1" lang="zh-CN" altLang="en-US" smtClean="0"/>
-              <a:t>2020/10/30</a:t>
+              <a:t>2022/8/26</a:t>
             </a:fld>
             <a:endParaRPr kumimoji="1" lang="zh-CN" altLang="en-US"/>
           </a:p>
@@ -1298,7 +1298,7 @@
           <a:p>
             <a:fld id="{262B6A82-EFB9-C349-A563-53BBF5D73243}" type="datetimeFigureOut">
               <a:rPr kumimoji="1" lang="zh-CN" altLang="en-US" smtClean="0"/>
-              <a:t>2020/10/30</a:t>
+              <a:t>2022/8/26</a:t>
             </a:fld>
             <a:endParaRPr kumimoji="1" lang="zh-CN" altLang="en-US"/>
           </a:p>
@@ -1666,7 +1666,7 @@
           <a:p>
             <a:fld id="{262B6A82-EFB9-C349-A563-53BBF5D73243}" type="datetimeFigureOut">
               <a:rPr kumimoji="1" lang="zh-CN" altLang="en-US" smtClean="0"/>
-              <a:t>2020/10/30</a:t>
+              <a:t>2022/8/26</a:t>
             </a:fld>
             <a:endParaRPr kumimoji="1" lang="zh-CN" altLang="en-US"/>
           </a:p>
@@ -1807,7 +1807,7 @@
           <a:p>
             <a:fld id="{262B6A82-EFB9-C349-A563-53BBF5D73243}" type="datetimeFigureOut">
               <a:rPr kumimoji="1" lang="zh-CN" altLang="en-US" smtClean="0"/>
-              <a:t>2020/10/30</a:t>
+              <a:t>2022/8/26</a:t>
             </a:fld>
             <a:endParaRPr kumimoji="1" lang="zh-CN" altLang="en-US"/>
           </a:p>
@@ -1920,7 +1920,7 @@
           <a:p>
             <a:fld id="{262B6A82-EFB9-C349-A563-53BBF5D73243}" type="datetimeFigureOut">
               <a:rPr kumimoji="1" lang="zh-CN" altLang="en-US" smtClean="0"/>
-              <a:t>2020/10/30</a:t>
+              <a:t>2022/8/26</a:t>
             </a:fld>
             <a:endParaRPr kumimoji="1" lang="zh-CN" altLang="en-US"/>
           </a:p>
@@ -2209,7 +2209,7 @@
           <a:p>
             <a:fld id="{262B6A82-EFB9-C349-A563-53BBF5D73243}" type="datetimeFigureOut">
               <a:rPr kumimoji="1" lang="zh-CN" altLang="en-US" smtClean="0"/>
-              <a:t>2020/10/30</a:t>
+              <a:t>2022/8/26</a:t>
             </a:fld>
             <a:endParaRPr kumimoji="1" lang="zh-CN" altLang="en-US"/>
           </a:p>
@@ -2500,7 +2500,7 @@
           <a:p>
             <a:fld id="{262B6A82-EFB9-C349-A563-53BBF5D73243}" type="datetimeFigureOut">
               <a:rPr kumimoji="1" lang="zh-CN" altLang="en-US" smtClean="0"/>
-              <a:t>2020/10/30</a:t>
+              <a:t>2022/8/26</a:t>
             </a:fld>
             <a:endParaRPr kumimoji="1" lang="zh-CN" altLang="en-US"/>
           </a:p>
@@ -2716,7 +2716,7 @@
           <a:p>
             <a:fld id="{262B6A82-EFB9-C349-A563-53BBF5D73243}" type="datetimeFigureOut">
               <a:rPr kumimoji="1" lang="zh-CN" altLang="en-US" smtClean="0"/>
-              <a:t>2020/10/30</a:t>
+              <a:t>2022/8/26</a:t>
             </a:fld>
             <a:endParaRPr kumimoji="1" lang="zh-CN" altLang="en-US"/>
           </a:p>
@@ -4723,13 +4723,23 @@
             <p:ph idx="1"/>
           </p:nvPr>
         </p:nvSpPr>
-        <p:spPr/>
+        <p:spPr>
+          <a:xfrm>
+            <a:off x="838200" y="1690688"/>
+            <a:ext cx="10515600" cy="4710642"/>
+          </a:xfrm>
+        </p:spPr>
         <p:txBody>
           <a:bodyPr>
-            <a:normAutofit lnSpcReduction="10000"/>
+            <a:normAutofit fontScale="85000" lnSpcReduction="10000"/>
           </a:bodyPr>
           <a:lstStyle/>
           <a:p>
+            <a:pPr>
+              <a:lnSpc>
+                <a:spcPct val="110000"/>
+              </a:lnSpc>
+            </a:pPr>
             <a:r>
               <a:rPr lang="en-US" altLang="zh-CN" dirty="0"/>
               <a:t>Python</a:t>
@@ -4741,7 +4751,11 @@
             <a:endParaRPr lang="en-US" altLang="zh-CN" dirty="0"/>
           </a:p>
           <a:p>
-            <a:pPr lvl="1"/>
+            <a:pPr lvl="1">
+              <a:lnSpc>
+                <a:spcPct val="110000"/>
+              </a:lnSpc>
+            </a:pPr>
             <a:r>
               <a:rPr lang="zh-CN" altLang="en-US" dirty="0"/>
               <a:t>伯克利</a:t>
@@ -4763,7 +4777,11 @@
             <a:endParaRPr lang="en-US" altLang="zh-CN" dirty="0"/>
           </a:p>
           <a:p>
-            <a:pPr lvl="1"/>
+            <a:pPr lvl="1">
+              <a:lnSpc>
+                <a:spcPct val="110000"/>
+              </a:lnSpc>
+            </a:pPr>
             <a:r>
               <a:rPr lang="en-US" altLang="zh-CN" dirty="0">
                 <a:hlinkClick r:id="rId3"/>
@@ -4773,7 +4791,11 @@
             <a:endParaRPr lang="en-US" altLang="zh-CN" dirty="0"/>
           </a:p>
           <a:p>
-            <a:pPr lvl="1"/>
+            <a:pPr lvl="1">
+              <a:lnSpc>
+                <a:spcPct val="110000"/>
+              </a:lnSpc>
+            </a:pPr>
             <a:r>
               <a:rPr lang="en-US" altLang="zh-CN" dirty="0">
                 <a:hlinkClick r:id="rId4"/>
@@ -4783,7 +4805,11 @@
             <a:endParaRPr lang="en-US" altLang="zh-CN" dirty="0"/>
           </a:p>
           <a:p>
-            <a:pPr lvl="1"/>
+            <a:pPr lvl="1">
+              <a:lnSpc>
+                <a:spcPct val="110000"/>
+              </a:lnSpc>
+            </a:pPr>
             <a:r>
               <a:rPr lang="zh-CN" altLang="en-US" dirty="0"/>
               <a:t>北理工</a:t>
@@ -4805,17 +4831,14 @@
             <a:endParaRPr lang="en-US" altLang="zh-CN" dirty="0"/>
           </a:p>
           <a:p>
-            <a:pPr lvl="1"/>
-            <a:endParaRPr lang="en-US" altLang="zh-CN" dirty="0"/>
-          </a:p>
-          <a:p>
-            <a:r>
-              <a:rPr lang="en-US" altLang="zh-CN" dirty="0" err="1"/>
-              <a:t>HackerRank</a:t>
-            </a:r>
+            <a:pPr lvl="1">
+              <a:lnSpc>
+                <a:spcPct val="110000"/>
+              </a:lnSpc>
+            </a:pPr>
             <a:r>
               <a:rPr lang="zh-CN" altLang="en-US" dirty="0"/>
-              <a:t> </a:t>
+              <a:t>用</a:t>
             </a:r>
             <a:r>
               <a:rPr lang="en-US" altLang="zh-CN" dirty="0"/>
@@ -4823,46 +4846,95 @@
             </a:r>
             <a:r>
               <a:rPr lang="zh-CN" altLang="en-US" dirty="0"/>
-              <a:t>练习</a:t>
-            </a:r>
-            <a:endParaRPr lang="en-US" altLang="zh-CN" dirty="0"/>
-          </a:p>
-          <a:p>
-            <a:pPr lvl="1"/>
-            <a:r>
-              <a:rPr lang="zh-CN" altLang="en-US" dirty="0"/>
-              <a:t>容易题，</a:t>
-            </a:r>
-            <a:r>
-              <a:rPr lang="en-US" altLang="zh-CN" dirty="0"/>
-              <a:t>Medium</a:t>
-            </a:r>
-            <a:r>
-              <a:rPr lang="zh-CN" altLang="en-US" dirty="0"/>
-              <a:t>和</a:t>
-            </a:r>
-            <a:r>
-              <a:rPr lang="en-US" altLang="zh-CN" dirty="0"/>
-              <a:t>Hard</a:t>
-            </a:r>
-            <a:r>
-              <a:rPr lang="zh-CN" altLang="en-US" dirty="0"/>
-              <a:t>部分题</a:t>
-            </a:r>
-            <a:endParaRPr lang="en-US" altLang="zh-CN" dirty="0"/>
-          </a:p>
-          <a:p>
-            <a:pPr lvl="1"/>
+              <a:t>玩转数据 张莉 南京大学 国家精品课。这门课深入浅出讲解了非计算机科班同学如何快速入手编程，利用一些工具包解决实际问题。</a:t>
+            </a:r>
             <a:r>
               <a:rPr lang="en-US" altLang="zh-CN" dirty="0">
                 <a:hlinkClick r:id="rId6"/>
               </a:rPr>
+              <a:t>https://www.icourse163.org/course/NJU-1001571005?tid=1466941458</a:t>
+            </a:r>
+            <a:endParaRPr lang="en-US" altLang="zh-CN" dirty="0"/>
+          </a:p>
+          <a:p>
+            <a:pPr lvl="1">
+              <a:lnSpc>
+                <a:spcPct val="110000"/>
+              </a:lnSpc>
+            </a:pPr>
+            <a:endParaRPr lang="en-US" altLang="zh-CN" dirty="0"/>
+          </a:p>
+          <a:p>
+            <a:pPr>
+              <a:lnSpc>
+                <a:spcPct val="110000"/>
+              </a:lnSpc>
+            </a:pPr>
+            <a:r>
+              <a:rPr lang="en-US" altLang="zh-CN" dirty="0" err="1"/>
+              <a:t>HackerRank</a:t>
+            </a:r>
+            <a:r>
+              <a:rPr lang="zh-CN" altLang="en-US" dirty="0"/>
+              <a:t> </a:t>
+            </a:r>
+            <a:r>
+              <a:rPr lang="en-US" altLang="zh-CN" dirty="0"/>
+              <a:t>Python</a:t>
+            </a:r>
+            <a:r>
+              <a:rPr lang="zh-CN" altLang="en-US" dirty="0"/>
+              <a:t>练习</a:t>
+            </a:r>
+            <a:endParaRPr lang="en-US" altLang="zh-CN" dirty="0"/>
+          </a:p>
+          <a:p>
+            <a:pPr lvl="1">
+              <a:lnSpc>
+                <a:spcPct val="110000"/>
+              </a:lnSpc>
+            </a:pPr>
+            <a:r>
+              <a:rPr lang="zh-CN" altLang="en-US" dirty="0"/>
+              <a:t>容易题，</a:t>
+            </a:r>
+            <a:r>
+              <a:rPr lang="en-US" altLang="zh-CN" dirty="0"/>
+              <a:t>Medium</a:t>
+            </a:r>
+            <a:r>
+              <a:rPr lang="zh-CN" altLang="en-US" dirty="0"/>
+              <a:t>和</a:t>
+            </a:r>
+            <a:r>
+              <a:rPr lang="en-US" altLang="zh-CN" dirty="0"/>
+              <a:t>Hard</a:t>
+            </a:r>
+            <a:r>
+              <a:rPr lang="zh-CN" altLang="en-US" dirty="0"/>
+              <a:t>部分题</a:t>
+            </a:r>
+            <a:endParaRPr lang="en-US" altLang="zh-CN" dirty="0"/>
+          </a:p>
+          <a:p>
+            <a:pPr lvl="1">
+              <a:lnSpc>
+                <a:spcPct val="110000"/>
+              </a:lnSpc>
+            </a:pPr>
+            <a:r>
+              <a:rPr lang="en-US" altLang="zh-CN" dirty="0">
+                <a:hlinkClick r:id="rId7"/>
+              </a:rPr>
               <a:t>https://www.hackerrank.com/domains/python?filters%5Bdifficulty%5D%5B%5D=easy</a:t>
             </a:r>
             <a:endParaRPr lang="en-US" altLang="zh-CN" dirty="0"/>
           </a:p>
           <a:p>
             <a:pPr marL="0" indent="0">
+              <a:lnSpc>
+                <a:spcPct val="110000"/>
+              </a:lnSpc>
               <a:buNone/>
             </a:pPr>
             <a:endParaRPr kumimoji="1" lang="zh-CN" altLang="en-US" dirty="0"/>

--- a/lab/ppt/2-rdd-df.pptx
+++ b/lab/ppt/2-rdd-df.pptx
@@ -276,7 +276,7 @@
           <a:p>
             <a:fld id="{262B6A82-EFB9-C349-A563-53BBF5D73243}" type="datetimeFigureOut">
               <a:rPr kumimoji="1" lang="zh-CN" altLang="en-US" smtClean="0"/>
-              <a:t>2022/8/26</a:t>
+              <a:t>2022/9/6</a:t>
             </a:fld>
             <a:endParaRPr kumimoji="1" lang="zh-CN" altLang="en-US"/>
           </a:p>
@@ -449,7 +449,7 @@
           <a:p>
             <a:fld id="{262B6A82-EFB9-C349-A563-53BBF5D73243}" type="datetimeFigureOut">
               <a:rPr kumimoji="1" lang="zh-CN" altLang="en-US" smtClean="0"/>
-              <a:t>2022/8/26</a:t>
+              <a:t>2022/9/6</a:t>
             </a:fld>
             <a:endParaRPr kumimoji="1" lang="zh-CN" altLang="en-US"/>
           </a:p>
@@ -632,7 +632,7 @@
           <a:p>
             <a:fld id="{262B6A82-EFB9-C349-A563-53BBF5D73243}" type="datetimeFigureOut">
               <a:rPr kumimoji="1" lang="zh-CN" altLang="en-US" smtClean="0"/>
-              <a:t>2022/8/26</a:t>
+              <a:t>2022/9/6</a:t>
             </a:fld>
             <a:endParaRPr kumimoji="1" lang="zh-CN" altLang="en-US"/>
           </a:p>
@@ -805,7 +805,7 @@
           <a:p>
             <a:fld id="{262B6A82-EFB9-C349-A563-53BBF5D73243}" type="datetimeFigureOut">
               <a:rPr kumimoji="1" lang="zh-CN" altLang="en-US" smtClean="0"/>
-              <a:t>2022/8/26</a:t>
+              <a:t>2022/9/6</a:t>
             </a:fld>
             <a:endParaRPr kumimoji="1" lang="zh-CN" altLang="en-US"/>
           </a:p>
@@ -1083,7 +1083,7 @@
           <a:p>
             <a:fld id="{262B6A82-EFB9-C349-A563-53BBF5D73243}" type="datetimeFigureOut">
               <a:rPr kumimoji="1" lang="zh-CN" altLang="en-US" smtClean="0"/>
-              <a:t>2022/8/26</a:t>
+              <a:t>2022/9/6</a:t>
             </a:fld>
             <a:endParaRPr kumimoji="1" lang="zh-CN" altLang="en-US"/>
           </a:p>
@@ -1298,7 +1298,7 @@
           <a:p>
             <a:fld id="{262B6A82-EFB9-C349-A563-53BBF5D73243}" type="datetimeFigureOut">
               <a:rPr kumimoji="1" lang="zh-CN" altLang="en-US" smtClean="0"/>
-              <a:t>2022/8/26</a:t>
+              <a:t>2022/9/6</a:t>
             </a:fld>
             <a:endParaRPr kumimoji="1" lang="zh-CN" altLang="en-US"/>
           </a:p>
@@ -1666,7 +1666,7 @@
           <a:p>
             <a:fld id="{262B6A82-EFB9-C349-A563-53BBF5D73243}" type="datetimeFigureOut">
               <a:rPr kumimoji="1" lang="zh-CN" altLang="en-US" smtClean="0"/>
-              <a:t>2022/8/26</a:t>
+              <a:t>2022/9/6</a:t>
             </a:fld>
             <a:endParaRPr kumimoji="1" lang="zh-CN" altLang="en-US"/>
           </a:p>
@@ -1807,7 +1807,7 @@
           <a:p>
             <a:fld id="{262B6A82-EFB9-C349-A563-53BBF5D73243}" type="datetimeFigureOut">
               <a:rPr kumimoji="1" lang="zh-CN" altLang="en-US" smtClean="0"/>
-              <a:t>2022/8/26</a:t>
+              <a:t>2022/9/6</a:t>
             </a:fld>
             <a:endParaRPr kumimoji="1" lang="zh-CN" altLang="en-US"/>
           </a:p>
@@ -1920,7 +1920,7 @@
           <a:p>
             <a:fld id="{262B6A82-EFB9-C349-A563-53BBF5D73243}" type="datetimeFigureOut">
               <a:rPr kumimoji="1" lang="zh-CN" altLang="en-US" smtClean="0"/>
-              <a:t>2022/8/26</a:t>
+              <a:t>2022/9/6</a:t>
             </a:fld>
             <a:endParaRPr kumimoji="1" lang="zh-CN" altLang="en-US"/>
           </a:p>
@@ -2209,7 +2209,7 @@
           <a:p>
             <a:fld id="{262B6A82-EFB9-C349-A563-53BBF5D73243}" type="datetimeFigureOut">
               <a:rPr kumimoji="1" lang="zh-CN" altLang="en-US" smtClean="0"/>
-              <a:t>2022/8/26</a:t>
+              <a:t>2022/9/6</a:t>
             </a:fld>
             <a:endParaRPr kumimoji="1" lang="zh-CN" altLang="en-US"/>
           </a:p>
@@ -2500,7 +2500,7 @@
           <a:p>
             <a:fld id="{262B6A82-EFB9-C349-A563-53BBF5D73243}" type="datetimeFigureOut">
               <a:rPr kumimoji="1" lang="zh-CN" altLang="en-US" smtClean="0"/>
-              <a:t>2022/8/26</a:t>
+              <a:t>2022/9/6</a:t>
             </a:fld>
             <a:endParaRPr kumimoji="1" lang="zh-CN" altLang="en-US"/>
           </a:p>
@@ -2716,7 +2716,7 @@
           <a:p>
             <a:fld id="{262B6A82-EFB9-C349-A563-53BBF5D73243}" type="datetimeFigureOut">
               <a:rPr kumimoji="1" lang="zh-CN" altLang="en-US" smtClean="0"/>
-              <a:t>2022/8/26</a:t>
+              <a:t>2022/9/6</a:t>
             </a:fld>
             <a:endParaRPr kumimoji="1" lang="zh-CN" altLang="en-US"/>
           </a:p>
@@ -3305,12 +3305,12 @@
           <a:lstStyle/>
           <a:p>
             <a:r>
-              <a:rPr lang="en-US" altLang="zh-CN" dirty="0">
+              <a:rPr kumimoji="1" lang="en-US" altLang="zh-CN" dirty="0">
                 <a:hlinkClick r:id="rId2"/>
               </a:rPr>
-              <a:t>https://courses.edx.org/courses/course-v1:UCSanDiegoX+DSE230x+1T2018/course/</a:t>
-            </a:r>
-            <a:endParaRPr lang="en-US" altLang="zh-CN" dirty="0"/>
+              <a:t>https://github.com/ucsd-edx/CSE255-DSE230-2018 </a:t>
+            </a:r>
+            <a:endParaRPr kumimoji="1" lang="en-US" altLang="zh-CN" dirty="0"/>
           </a:p>
           <a:p>
             <a:r>
@@ -3961,12 +3961,12 @@
           <a:lstStyle/>
           <a:p>
             <a:r>
-              <a:rPr lang="en-US" altLang="zh-CN" dirty="0">
+              <a:rPr kumimoji="1" lang="en-US" altLang="zh-CN" dirty="0">
                 <a:hlinkClick r:id="rId2"/>
               </a:rPr>
-              <a:t>https://courses.edx.org/courses/course-v1:UCSanDiegoX+DSE230x+1T2018/course/</a:t>
-            </a:r>
-            <a:endParaRPr lang="en-US" altLang="zh-CN" dirty="0"/>
+              <a:t>https://github.com/ucsd-edx/CSE255-DSE230-2018 </a:t>
+            </a:r>
+            <a:endParaRPr kumimoji="1" lang="en-US" altLang="zh-CN" dirty="0"/>
           </a:p>
           <a:p>
             <a:r>
@@ -4144,17 +4144,17 @@
         <p:spPr/>
         <p:txBody>
           <a:bodyPr>
-            <a:normAutofit lnSpcReduction="10000"/>
+            <a:normAutofit/>
           </a:bodyPr>
           <a:lstStyle/>
           <a:p>
             <a:r>
-              <a:rPr lang="en-US" altLang="zh-CN" dirty="0">
+              <a:rPr kumimoji="1" lang="en-US" altLang="zh-CN" dirty="0">
                 <a:hlinkClick r:id="rId2"/>
               </a:rPr>
-              <a:t>https://courses.edx.org/courses/course-v1:UCSanDiegoX+DSE230x+1T2018/course/</a:t>
-            </a:r>
-            <a:endParaRPr lang="en-US" altLang="zh-CN" dirty="0"/>
+              <a:t>https://github.com/ucsd-edx/CSE255-DSE230-2018</a:t>
+            </a:r>
+            <a:endParaRPr kumimoji="1" lang="en-US" altLang="zh-CN" dirty="0"/>
           </a:p>
           <a:p>
             <a:r>
@@ -5409,10 +5409,10 @@
           <a:lstStyle/>
           <a:p>
             <a:r>
-              <a:rPr lang="en-US" altLang="zh-CN" dirty="0">
+              <a:rPr kumimoji="1" lang="en-US" altLang="zh-CN" dirty="0">
                 <a:hlinkClick r:id="rId2"/>
               </a:rPr>
-              <a:t>https://courses.edx.org/courses/course-v1:UCSanDiegoX+DSE230x+1T2018/course/</a:t>
+              <a:t>https://github.com/ucsd-edx/CSE255-DSE230-2018</a:t>
             </a:r>
             <a:endParaRPr lang="en-US" altLang="zh-CN" dirty="0"/>
           </a:p>
@@ -5702,12 +5702,12 @@
           <a:lstStyle/>
           <a:p>
             <a:r>
-              <a:rPr lang="en-US" altLang="zh-CN" dirty="0">
+              <a:rPr kumimoji="1" lang="en-US" altLang="zh-CN" dirty="0">
                 <a:hlinkClick r:id="rId2"/>
               </a:rPr>
-              <a:t>https://courses.edx.org/courses/course-v1:UCSanDiegoX+DSE230x+1T2018/course/</a:t>
-            </a:r>
-            <a:endParaRPr lang="en-US" altLang="zh-CN" dirty="0"/>
+              <a:t>https://github.com/ucsd-edx/CSE255-DSE230-2018 </a:t>
+            </a:r>
+            <a:endParaRPr kumimoji="1" lang="en-US" altLang="zh-CN" dirty="0"/>
           </a:p>
           <a:p>
             <a:r>
@@ -5863,12 +5863,12 @@
           <a:lstStyle/>
           <a:p>
             <a:r>
-              <a:rPr lang="en-US" altLang="zh-CN" dirty="0">
+              <a:rPr kumimoji="1" lang="en-US" altLang="zh-CN" dirty="0">
                 <a:hlinkClick r:id="rId2"/>
               </a:rPr>
-              <a:t>https://courses.edx.org/courses/course-v1:UCSanDiegoX+DSE230x+1T2018/course/</a:t>
-            </a:r>
-            <a:endParaRPr lang="en-US" altLang="zh-CN" dirty="0"/>
+              <a:t>https://github.com/ucsd-edx/CSE255-DSE230-2018</a:t>
+            </a:r>
+            <a:endParaRPr kumimoji="1" lang="en-US" altLang="zh-CN" dirty="0"/>
           </a:p>
           <a:p>
             <a:r>
